--- a/Share/游戏技术分享/Mecanim动画分享/动画之混合树.pptx
+++ b/Share/游戏技术分享/Mecanim动画分享/动画之混合树.pptx
@@ -848,7 +848,7 @@
           <a:p>
             <a:fld id="{933BF4A6-44F2-425C-AE41-D313AE3CCDE0}" type="datetimeFigureOut">
               <a:rPr lang="zh-CN" altLang="en-US" smtClean="0"/>
-              <a:t>2018/9/12</a:t>
+              <a:t>2018/9/16</a:t>
             </a:fld>
             <a:endParaRPr lang="zh-CN" altLang="en-US"/>
           </a:p>
@@ -1099,7 +1099,7 @@
           <a:p>
             <a:fld id="{933BF4A6-44F2-425C-AE41-D313AE3CCDE0}" type="datetimeFigureOut">
               <a:rPr lang="zh-CN" altLang="en-US" smtClean="0"/>
-              <a:t>2018/9/12</a:t>
+              <a:t>2018/9/16</a:t>
             </a:fld>
             <a:endParaRPr lang="zh-CN" altLang="en-US"/>
           </a:p>
@@ -1413,7 +1413,7 @@
           <a:p>
             <a:fld id="{933BF4A6-44F2-425C-AE41-D313AE3CCDE0}" type="datetimeFigureOut">
               <a:rPr lang="zh-CN" altLang="en-US" smtClean="0"/>
-              <a:t>2018/9/12</a:t>
+              <a:t>2018/9/16</a:t>
             </a:fld>
             <a:endParaRPr lang="zh-CN" altLang="en-US"/>
           </a:p>
@@ -1754,7 +1754,7 @@
           <a:p>
             <a:fld id="{933BF4A6-44F2-425C-AE41-D313AE3CCDE0}" type="datetimeFigureOut">
               <a:rPr lang="zh-CN" altLang="en-US" smtClean="0"/>
-              <a:t>2018/9/12</a:t>
+              <a:t>2018/9/16</a:t>
             </a:fld>
             <a:endParaRPr lang="zh-CN" altLang="en-US"/>
           </a:p>
@@ -2068,7 +2068,7 @@
           <a:p>
             <a:fld id="{933BF4A6-44F2-425C-AE41-D313AE3CCDE0}" type="datetimeFigureOut">
               <a:rPr lang="zh-CN" altLang="en-US" smtClean="0"/>
-              <a:t>2018/9/12</a:t>
+              <a:t>2018/9/16</a:t>
             </a:fld>
             <a:endParaRPr lang="zh-CN" altLang="en-US"/>
           </a:p>
@@ -2461,7 +2461,7 @@
           <a:p>
             <a:fld id="{933BF4A6-44F2-425C-AE41-D313AE3CCDE0}" type="datetimeFigureOut">
               <a:rPr lang="zh-CN" altLang="en-US" smtClean="0"/>
-              <a:t>2018/9/12</a:t>
+              <a:t>2018/9/16</a:t>
             </a:fld>
             <a:endParaRPr lang="zh-CN" altLang="en-US"/>
           </a:p>
@@ -2631,7 +2631,7 @@
           <a:p>
             <a:fld id="{933BF4A6-44F2-425C-AE41-D313AE3CCDE0}" type="datetimeFigureOut">
               <a:rPr lang="zh-CN" altLang="en-US" smtClean="0"/>
-              <a:t>2018/9/12</a:t>
+              <a:t>2018/9/16</a:t>
             </a:fld>
             <a:endParaRPr lang="zh-CN" altLang="en-US"/>
           </a:p>
@@ -2811,7 +2811,7 @@
           <a:p>
             <a:fld id="{933BF4A6-44F2-425C-AE41-D313AE3CCDE0}" type="datetimeFigureOut">
               <a:rPr lang="zh-CN" altLang="en-US" smtClean="0"/>
-              <a:t>2018/9/12</a:t>
+              <a:t>2018/9/16</a:t>
             </a:fld>
             <a:endParaRPr lang="zh-CN" altLang="en-US"/>
           </a:p>
@@ -2987,7 +2987,7 @@
           <a:p>
             <a:fld id="{933BF4A6-44F2-425C-AE41-D313AE3CCDE0}" type="datetimeFigureOut">
               <a:rPr lang="zh-CN" altLang="en-US" smtClean="0"/>
-              <a:t>2018/9/12</a:t>
+              <a:t>2018/9/16</a:t>
             </a:fld>
             <a:endParaRPr lang="zh-CN" altLang="en-US"/>
           </a:p>
@@ -3234,7 +3234,7 @@
           <a:p>
             <a:fld id="{933BF4A6-44F2-425C-AE41-D313AE3CCDE0}" type="datetimeFigureOut">
               <a:rPr lang="zh-CN" altLang="en-US" smtClean="0"/>
-              <a:t>2018/9/12</a:t>
+              <a:t>2018/9/16</a:t>
             </a:fld>
             <a:endParaRPr lang="zh-CN" altLang="en-US"/>
           </a:p>
@@ -3466,7 +3466,7 @@
           <a:p>
             <a:fld id="{933BF4A6-44F2-425C-AE41-D313AE3CCDE0}" type="datetimeFigureOut">
               <a:rPr lang="zh-CN" altLang="en-US" smtClean="0"/>
-              <a:t>2018/9/12</a:t>
+              <a:t>2018/9/16</a:t>
             </a:fld>
             <a:endParaRPr lang="zh-CN" altLang="en-US"/>
           </a:p>
@@ -3840,7 +3840,7 @@
           <a:p>
             <a:fld id="{933BF4A6-44F2-425C-AE41-D313AE3CCDE0}" type="datetimeFigureOut">
               <a:rPr lang="zh-CN" altLang="en-US" smtClean="0"/>
-              <a:t>2018/9/12</a:t>
+              <a:t>2018/9/16</a:t>
             </a:fld>
             <a:endParaRPr lang="zh-CN" altLang="en-US"/>
           </a:p>
@@ -3963,7 +3963,7 @@
           <a:p>
             <a:fld id="{933BF4A6-44F2-425C-AE41-D313AE3CCDE0}" type="datetimeFigureOut">
               <a:rPr lang="zh-CN" altLang="en-US" smtClean="0"/>
-              <a:t>2018/9/12</a:t>
+              <a:t>2018/9/16</a:t>
             </a:fld>
             <a:endParaRPr lang="zh-CN" altLang="en-US"/>
           </a:p>
@@ -4058,7 +4058,7 @@
           <a:p>
             <a:fld id="{933BF4A6-44F2-425C-AE41-D313AE3CCDE0}" type="datetimeFigureOut">
               <a:rPr lang="zh-CN" altLang="en-US" smtClean="0"/>
-              <a:t>2018/9/12</a:t>
+              <a:t>2018/9/16</a:t>
             </a:fld>
             <a:endParaRPr lang="zh-CN" altLang="en-US"/>
           </a:p>
@@ -4313,7 +4313,7 @@
           <a:p>
             <a:fld id="{933BF4A6-44F2-425C-AE41-D313AE3CCDE0}" type="datetimeFigureOut">
               <a:rPr lang="zh-CN" altLang="en-US" smtClean="0"/>
-              <a:t>2018/9/12</a:t>
+              <a:t>2018/9/16</a:t>
             </a:fld>
             <a:endParaRPr lang="zh-CN" altLang="en-US"/>
           </a:p>
@@ -4576,7 +4576,7 @@
           <a:p>
             <a:fld id="{933BF4A6-44F2-425C-AE41-D313AE3CCDE0}" type="datetimeFigureOut">
               <a:rPr lang="zh-CN" altLang="en-US" smtClean="0"/>
-              <a:t>2018/9/12</a:t>
+              <a:t>2018/9/16</a:t>
             </a:fld>
             <a:endParaRPr lang="zh-CN" altLang="en-US"/>
           </a:p>
@@ -5319,7 +5319,7 @@
           <a:p>
             <a:fld id="{933BF4A6-44F2-425C-AE41-D313AE3CCDE0}" type="datetimeFigureOut">
               <a:rPr lang="zh-CN" altLang="en-US" smtClean="0"/>
-              <a:t>2018/9/12</a:t>
+              <a:t>2018/9/16</a:t>
             </a:fld>
             <a:endParaRPr lang="zh-CN" altLang="en-US"/>
           </a:p>
@@ -6409,7 +6409,7 @@
           <a:p>
             <a:r>
               <a:rPr lang="en-US" altLang="zh-CN" dirty="0"/>
-              <a:t>Y-position-&gt;velocity Z</a:t>
+              <a:t>Y-position-&gt;speed</a:t>
             </a:r>
             <a:endParaRPr lang="zh-CN" altLang="en-US" dirty="0"/>
           </a:p>
@@ -7496,7 +7496,7 @@
         </p:blipFill>
         <p:spPr>
           <a:xfrm>
-            <a:off x="1149642" y="2581456"/>
+            <a:off x="1378716" y="2574417"/>
             <a:ext cx="7193903" cy="5654530"/>
           </a:xfrm>
           <a:prstGeom prst="rect">
@@ -7622,7 +7622,7 @@
         </p:blipFill>
         <p:spPr>
           <a:xfrm>
-            <a:off x="1421315" y="2515658"/>
+            <a:off x="1412437" y="2426881"/>
             <a:ext cx="6828112" cy="5448772"/>
           </a:xfrm>
           <a:prstGeom prst="rect">
@@ -7740,7 +7740,7 @@
         </p:blipFill>
         <p:spPr>
           <a:xfrm>
-            <a:off x="1348233" y="2565507"/>
+            <a:off x="1348233" y="1935053"/>
             <a:ext cx="7254869" cy="4922947"/>
           </a:xfrm>
           <a:prstGeom prst="rect">
